--- a/NonProgramFiles/Presentation!.pptx
+++ b/NonProgramFiles/Presentation!.pptx
@@ -12,6 +12,7 @@
     <p:sldId id="261" r:id="rId6"/>
     <p:sldId id="259" r:id="rId7"/>
     <p:sldId id="262" r:id="rId8"/>
+    <p:sldId id="263" r:id="rId9"/>
   </p:sldIdLst>
   <p:sldSz cx="12192000" cy="6858000"/>
   <p:notesSz cx="6858000" cy="9144000"/>
@@ -121,9 +122,78 @@
 <file path=ppt/revisionInfo.xml><?xml version="1.0" encoding="utf-8"?>
 <p1510:revInfo xmlns:a="http://schemas.openxmlformats.org/drawingml/2006/main" xmlns:r="http://schemas.openxmlformats.org/officeDocument/2006/relationships" xmlns:p1510="http://schemas.microsoft.com/office/powerpoint/2015/10/main">
   <p1510:revLst>
+    <p1510:client id="{35D98588-29BD-4A7D-B576-27294E9F11E0}" v="1" dt="2024-06-12T17:31:01.703"/>
     <p1510:client id="{9FA223CE-2682-4A4C-9189-033D2F123F38}" v="432" dt="2024-06-12T01:42:33.616"/>
   </p1510:revLst>
 </p1510:revInfo>
+</file>
+
+<file path=ppt/changesInfos/changesInfo1.xml><?xml version="1.0" encoding="utf-8"?>
+<pc:chgInfo xmlns:a="http://schemas.openxmlformats.org/drawingml/2006/main" xmlns:r="http://schemas.openxmlformats.org/officeDocument/2006/relationships" xmlns:ac="http://schemas.microsoft.com/office/drawing/2013/main/command" xmlns:pc="http://schemas.microsoft.com/office/powerpoint/2013/main/command">
+  <pc:docChgLst>
+    <pc:chgData name="Cayden Lords" userId="c00baaec48eaaa0a" providerId="LiveId" clId="{35D98588-29BD-4A7D-B576-27294E9F11E0}"/>
+    <pc:docChg chg="undo custSel addSld modSld">
+      <pc:chgData name="Cayden Lords" userId="c00baaec48eaaa0a" providerId="LiveId" clId="{35D98588-29BD-4A7D-B576-27294E9F11E0}" dt="2024-06-12T17:42:21.058" v="64" actId="20577"/>
+      <pc:docMkLst>
+        <pc:docMk/>
+      </pc:docMkLst>
+      <pc:sldChg chg="modSp mod">
+        <pc:chgData name="Cayden Lords" userId="c00baaec48eaaa0a" providerId="LiveId" clId="{35D98588-29BD-4A7D-B576-27294E9F11E0}" dt="2024-06-12T17:42:21.058" v="64" actId="20577"/>
+        <pc:sldMkLst>
+          <pc:docMk/>
+          <pc:sldMk cId="974260464" sldId="261"/>
+        </pc:sldMkLst>
+        <pc:spChg chg="mod">
+          <ac:chgData name="Cayden Lords" userId="c00baaec48eaaa0a" providerId="LiveId" clId="{35D98588-29BD-4A7D-B576-27294E9F11E0}" dt="2024-06-12T17:42:21.058" v="64" actId="20577"/>
+          <ac:spMkLst>
+            <pc:docMk/>
+            <pc:sldMk cId="974260464" sldId="261"/>
+            <ac:spMk id="2" creationId="{60BB9C05-7FAD-BEE4-7B6D-9DCD6BBDC2F5}"/>
+          </ac:spMkLst>
+        </pc:spChg>
+      </pc:sldChg>
+      <pc:sldChg chg="addSp delSp modSp new mod">
+        <pc:chgData name="Cayden Lords" userId="c00baaec48eaaa0a" providerId="LiveId" clId="{35D98588-29BD-4A7D-B576-27294E9F11E0}" dt="2024-06-12T17:31:06.854" v="14" actId="1076"/>
+        <pc:sldMkLst>
+          <pc:docMk/>
+          <pc:sldMk cId="3112032390" sldId="263"/>
+        </pc:sldMkLst>
+        <pc:spChg chg="mod">
+          <ac:chgData name="Cayden Lords" userId="c00baaec48eaaa0a" providerId="LiveId" clId="{35D98588-29BD-4A7D-B576-27294E9F11E0}" dt="2024-06-12T17:30:21.861" v="7" actId="20577"/>
+          <ac:spMkLst>
+            <pc:docMk/>
+            <pc:sldMk cId="3112032390" sldId="263"/>
+            <ac:spMk id="2" creationId="{0CA34D63-7B3F-364C-E7AD-061D79FCDAD5}"/>
+          </ac:spMkLst>
+        </pc:spChg>
+        <pc:spChg chg="add del">
+          <ac:chgData name="Cayden Lords" userId="c00baaec48eaaa0a" providerId="LiveId" clId="{35D98588-29BD-4A7D-B576-27294E9F11E0}" dt="2024-06-12T17:31:01.702" v="10" actId="931"/>
+          <ac:spMkLst>
+            <pc:docMk/>
+            <pc:sldMk cId="3112032390" sldId="263"/>
+            <ac:spMk id="3" creationId="{C91C221C-17AC-12EA-E86E-D2DA5BA12434}"/>
+          </ac:spMkLst>
+        </pc:spChg>
+        <pc:picChg chg="add del mod ord">
+          <ac:chgData name="Cayden Lords" userId="c00baaec48eaaa0a" providerId="LiveId" clId="{35D98588-29BD-4A7D-B576-27294E9F11E0}" dt="2024-06-12T17:30:53.701" v="9" actId="34307"/>
+          <ac:picMkLst>
+            <pc:docMk/>
+            <pc:sldMk cId="3112032390" sldId="263"/>
+            <ac:picMk id="4" creationId="{7024C2CF-C50E-85E6-26A9-CB40B9E955AB}"/>
+          </ac:picMkLst>
+        </pc:picChg>
+        <pc:picChg chg="add mod">
+          <ac:chgData name="Cayden Lords" userId="c00baaec48eaaa0a" providerId="LiveId" clId="{35D98588-29BD-4A7D-B576-27294E9F11E0}" dt="2024-06-12T17:31:06.854" v="14" actId="1076"/>
+          <ac:picMkLst>
+            <pc:docMk/>
+            <pc:sldMk cId="3112032390" sldId="263"/>
+            <ac:picMk id="6" creationId="{355F05B4-C116-97BB-85CE-D2E1995D0BC5}"/>
+          </ac:picMkLst>
+        </pc:picChg>
+      </pc:sldChg>
+    </pc:docChg>
+  </pc:docChgLst>
+</pc:chgInfo>
 </file>
 
 <file path=ppt/slideLayouts/slideLayout1.xml><?xml version="1.0" encoding="utf-8"?>
@@ -312,7 +382,7 @@
           <a:p>
             <a:fld id="{1F2AE746-3467-43CD-90DA-AF4374169262}" type="datetimeFigureOut">
               <a:rPr lang="en-US" smtClean="0"/>
-              <a:t>6/11/2024</a:t>
+              <a:t>6/12/2024</a:t>
             </a:fld>
             <a:endParaRPr lang="en-US"/>
           </a:p>
@@ -587,7 +657,7 @@
           <a:p>
             <a:fld id="{1F2AE746-3467-43CD-90DA-AF4374169262}" type="datetimeFigureOut">
               <a:rPr lang="en-US" smtClean="0"/>
-              <a:t>6/11/2024</a:t>
+              <a:t>6/12/2024</a:t>
             </a:fld>
             <a:endParaRPr lang="en-US"/>
           </a:p>
@@ -781,7 +851,7 @@
           <a:p>
             <a:fld id="{1F2AE746-3467-43CD-90DA-AF4374169262}" type="datetimeFigureOut">
               <a:rPr lang="en-US" smtClean="0"/>
-              <a:t>6/11/2024</a:t>
+              <a:t>6/12/2024</a:t>
             </a:fld>
             <a:endParaRPr lang="en-US"/>
           </a:p>
@@ -1054,7 +1124,7 @@
           <a:p>
             <a:fld id="{1F2AE746-3467-43CD-90DA-AF4374169262}" type="datetimeFigureOut">
               <a:rPr lang="en-US" smtClean="0"/>
-              <a:t>6/11/2024</a:t>
+              <a:t>6/12/2024</a:t>
             </a:fld>
             <a:endParaRPr lang="en-US"/>
           </a:p>
@@ -1395,7 +1465,7 @@
           <a:p>
             <a:fld id="{1F2AE746-3467-43CD-90DA-AF4374169262}" type="datetimeFigureOut">
               <a:rPr lang="en-US" smtClean="0"/>
-              <a:t>6/11/2024</a:t>
+              <a:t>6/12/2024</a:t>
             </a:fld>
             <a:endParaRPr lang="en-US"/>
           </a:p>
@@ -2018,7 +2088,7 @@
           <a:p>
             <a:fld id="{1F2AE746-3467-43CD-90DA-AF4374169262}" type="datetimeFigureOut">
               <a:rPr lang="en-US" smtClean="0"/>
-              <a:t>6/11/2024</a:t>
+              <a:t>6/12/2024</a:t>
             </a:fld>
             <a:endParaRPr lang="en-US"/>
           </a:p>
@@ -2878,7 +2948,7 @@
           <a:p>
             <a:fld id="{1F2AE746-3467-43CD-90DA-AF4374169262}" type="datetimeFigureOut">
               <a:rPr lang="en-US" smtClean="0"/>
-              <a:t>6/11/2024</a:t>
+              <a:t>6/12/2024</a:t>
             </a:fld>
             <a:endParaRPr lang="en-US"/>
           </a:p>
@@ -3048,7 +3118,7 @@
           <a:p>
             <a:fld id="{1F2AE746-3467-43CD-90DA-AF4374169262}" type="datetimeFigureOut">
               <a:rPr lang="en-US" smtClean="0"/>
-              <a:t>6/11/2024</a:t>
+              <a:t>6/12/2024</a:t>
             </a:fld>
             <a:endParaRPr lang="en-US"/>
           </a:p>
@@ -3228,7 +3298,7 @@
           <a:p>
             <a:fld id="{1F2AE746-3467-43CD-90DA-AF4374169262}" type="datetimeFigureOut">
               <a:rPr lang="en-US" smtClean="0"/>
-              <a:t>6/11/2024</a:t>
+              <a:t>6/12/2024</a:t>
             </a:fld>
             <a:endParaRPr lang="en-US"/>
           </a:p>
@@ -3398,7 +3468,7 @@
           <a:p>
             <a:fld id="{1F2AE746-3467-43CD-90DA-AF4374169262}" type="datetimeFigureOut">
               <a:rPr lang="en-US" smtClean="0"/>
-              <a:t>6/11/2024</a:t>
+              <a:t>6/12/2024</a:t>
             </a:fld>
             <a:endParaRPr lang="en-US"/>
           </a:p>
@@ -3645,7 +3715,7 @@
           <a:p>
             <a:fld id="{1F2AE746-3467-43CD-90DA-AF4374169262}" type="datetimeFigureOut">
               <a:rPr lang="en-US" smtClean="0"/>
-              <a:t>6/11/2024</a:t>
+              <a:t>6/12/2024</a:t>
             </a:fld>
             <a:endParaRPr lang="en-US"/>
           </a:p>
@@ -3937,7 +4007,7 @@
           <a:p>
             <a:fld id="{1F2AE746-3467-43CD-90DA-AF4374169262}" type="datetimeFigureOut">
               <a:rPr lang="en-US" smtClean="0"/>
-              <a:t>6/11/2024</a:t>
+              <a:t>6/12/2024</a:t>
             </a:fld>
             <a:endParaRPr lang="en-US"/>
           </a:p>
@@ -4381,7 +4451,7 @@
           <a:p>
             <a:fld id="{1F2AE746-3467-43CD-90DA-AF4374169262}" type="datetimeFigureOut">
               <a:rPr lang="en-US" smtClean="0"/>
-              <a:t>6/11/2024</a:t>
+              <a:t>6/12/2024</a:t>
             </a:fld>
             <a:endParaRPr lang="en-US"/>
           </a:p>
@@ -4499,7 +4569,7 @@
           <a:p>
             <a:fld id="{1F2AE746-3467-43CD-90DA-AF4374169262}" type="datetimeFigureOut">
               <a:rPr lang="en-US" smtClean="0"/>
-              <a:t>6/11/2024</a:t>
+              <a:t>6/12/2024</a:t>
             </a:fld>
             <a:endParaRPr lang="en-US"/>
           </a:p>
@@ -4594,7 +4664,7 @@
           <a:p>
             <a:fld id="{1F2AE746-3467-43CD-90DA-AF4374169262}" type="datetimeFigureOut">
               <a:rPr lang="en-US" smtClean="0"/>
-              <a:t>6/11/2024</a:t>
+              <a:t>6/12/2024</a:t>
             </a:fld>
             <a:endParaRPr lang="en-US"/>
           </a:p>
@@ -4873,7 +4943,7 @@
           <a:p>
             <a:fld id="{1F2AE746-3467-43CD-90DA-AF4374169262}" type="datetimeFigureOut">
               <a:rPr lang="en-US" smtClean="0"/>
-              <a:t>6/11/2024</a:t>
+              <a:t>6/12/2024</a:t>
             </a:fld>
             <a:endParaRPr lang="en-US"/>
           </a:p>
@@ -5148,7 +5218,7 @@
           <a:p>
             <a:fld id="{1F2AE746-3467-43CD-90DA-AF4374169262}" type="datetimeFigureOut">
               <a:rPr lang="en-US" smtClean="0"/>
-              <a:t>6/11/2024</a:t>
+              <a:t>6/12/2024</a:t>
             </a:fld>
             <a:endParaRPr lang="en-US"/>
           </a:p>
@@ -5577,7 +5647,7 @@
           <a:p>
             <a:fld id="{1F2AE746-3467-43CD-90DA-AF4374169262}" type="datetimeFigureOut">
               <a:rPr lang="en-US" smtClean="0"/>
-              <a:t>6/11/2024</a:t>
+              <a:t>6/12/2024</a:t>
             </a:fld>
             <a:endParaRPr lang="en-US"/>
           </a:p>
@@ -7117,7 +7187,7 @@
           <a:p>
             <a:pPr algn="ctr"/>
             <a:r>
-              <a:rPr lang="en-US" sz="2400">
+              <a:rPr lang="en-US" sz="2400" dirty="0">
                 <a:solidFill>
                   <a:schemeClr val="bg2"/>
                 </a:solidFill>
@@ -9169,8 +9239,13 @@
           <a:p>
             <a:r>
               <a:rPr lang="en-US" dirty="0"/>
-              <a:t>&lt;THIS IS THE SECTION WHERE THE PROGRAM IS DISPLAYED. APPLAUD&gt; </a:t>
-            </a:r>
+              <a:t>&lt;THIS IS THE SECTION WHERE THE PROGRAM IS DISPLAYED. APPLAUD OUR BRILLIANCE. </a:t>
+            </a:r>
+            <a:r>
+              <a:rPr lang="en-US"/>
+              <a:t>A PARADE WILL BE EXPECTED&gt; </a:t>
+            </a:r>
+            <a:endParaRPr lang="en-US" dirty="0"/>
           </a:p>
         </p:txBody>
       </p:sp>
@@ -10612,6 +10687,99 @@
     <p:extLst>
       <p:ext uri="{BB962C8B-B14F-4D97-AF65-F5344CB8AC3E}">
         <p14:creationId xmlns:p14="http://schemas.microsoft.com/office/powerpoint/2010/main" val="2614505085"/>
+      </p:ext>
+    </p:extLst>
+  </p:cSld>
+  <p:clrMapOvr>
+    <a:masterClrMapping/>
+  </p:clrMapOvr>
+</p:sld>
+</file>
+
+<file path=ppt/slides/slide8.xml><?xml version="1.0" encoding="utf-8"?>
+<p:sld xmlns:a="http://schemas.openxmlformats.org/drawingml/2006/main" xmlns:r="http://schemas.openxmlformats.org/officeDocument/2006/relationships" xmlns:p="http://schemas.openxmlformats.org/presentationml/2006/main">
+  <p:cSld>
+    <p:spTree>
+      <p:nvGrpSpPr>
+        <p:cNvPr id="1" name=""/>
+        <p:cNvGrpSpPr/>
+        <p:nvPr/>
+      </p:nvGrpSpPr>
+      <p:grpSpPr>
+        <a:xfrm>
+          <a:off x="0" y="0"/>
+          <a:ext cx="0" cy="0"/>
+          <a:chOff x="0" y="0"/>
+          <a:chExt cx="0" cy="0"/>
+        </a:xfrm>
+      </p:grpSpPr>
+      <p:sp>
+        <p:nvSpPr>
+          <p:cNvPr id="2" name="Title 1">
+            <a:extLst>
+              <a:ext uri="{FF2B5EF4-FFF2-40B4-BE49-F238E27FC236}">
+                <a16:creationId xmlns:a16="http://schemas.microsoft.com/office/drawing/2014/main" id="{0CA34D63-7B3F-364C-E7AD-061D79FCDAD5}"/>
+              </a:ext>
+            </a:extLst>
+          </p:cNvPr>
+          <p:cNvSpPr>
+            <a:spLocks noGrp="1"/>
+          </p:cNvSpPr>
+          <p:nvPr>
+            <p:ph type="title"/>
+          </p:nvPr>
+        </p:nvSpPr>
+        <p:spPr/>
+        <p:txBody>
+          <a:bodyPr/>
+          <a:lstStyle/>
+          <a:p>
+            <a:r>
+              <a:rPr lang="en-US" dirty="0"/>
+              <a:t>Trello </a:t>
+            </a:r>
+          </a:p>
+        </p:txBody>
+      </p:sp>
+      <p:pic>
+        <p:nvPicPr>
+          <p:cNvPr id="6" name="Content Placeholder 5" descr="Screens screenshot of a computer&#10;&#10;Description automatically generated">
+            <a:extLst>
+              <a:ext uri="{FF2B5EF4-FFF2-40B4-BE49-F238E27FC236}">
+                <a16:creationId xmlns:a16="http://schemas.microsoft.com/office/drawing/2014/main" id="{355F05B4-C116-97BB-85CE-D2E1995D0BC5}"/>
+              </a:ext>
+            </a:extLst>
+          </p:cNvPr>
+          <p:cNvPicPr>
+            <a:picLocks noGrp="1" noChangeAspect="1"/>
+          </p:cNvPicPr>
+          <p:nvPr>
+            <p:ph idx="1"/>
+          </p:nvPr>
+        </p:nvPicPr>
+        <p:blipFill>
+          <a:blip r:embed="rId2">
+            <a:extLst>
+              <a:ext uri="{28A0092B-C50C-407E-A947-70E740481C1C}">
+                <a14:useLocalDpi xmlns:a14="http://schemas.microsoft.com/office/drawing/2010/main" val="0"/>
+              </a:ext>
+            </a:extLst>
+          </a:blip>
+          <a:stretch>
+            <a:fillRect/>
+          </a:stretch>
+        </p:blipFill>
+        <p:spPr>
+          <a:xfrm>
+            <a:off x="646111" y="1251366"/>
+            <a:ext cx="7571895" cy="4997034"/>
+          </a:xfrm>
+        </p:spPr>
+      </p:pic>
+    </p:spTree>
+    <p:extLst>
+      <p:ext uri="{BB962C8B-B14F-4D97-AF65-F5344CB8AC3E}">
+        <p14:creationId xmlns:p14="http://schemas.microsoft.com/office/powerpoint/2010/main" val="3112032390"/>
       </p:ext>
     </p:extLst>
   </p:cSld>
